--- a/Brother’s destruction.pptx
+++ b/Brother’s destruction.pptx
@@ -12608,7 +12608,7 @@
                 <a16:creationId xmlns:a16="http://schemas.microsoft.com/office/drawing/2014/main" id="{7EF238CB-AB58-4787-8F9C-A1C16929A2FA}"/>
               </a:ext>
               <a:ext uri="{C183D7F6-B498-43B3-948B-1728B52AA6E4}">
-                <adec:decorative xmlns="" xmlns:adec="http://schemas.microsoft.com/office/drawing/2017/decorative" val="1"/>
+                <adec:decorative xmlns:adec="http://schemas.microsoft.com/office/drawing/2017/decorative" xmlns="" val="1"/>
               </a:ext>
             </a:extLst>
           </p:cNvPr>
@@ -12874,7 +12874,7 @@
                 <a16:creationId xmlns:a16="http://schemas.microsoft.com/office/drawing/2014/main" id="{545D50A1-D634-4325-B06C-5450FDF7B818}"/>
               </a:ext>
               <a:ext uri="{C183D7F6-B498-43B3-948B-1728B52AA6E4}">
-                <adec:decorative xmlns="" xmlns:adec="http://schemas.microsoft.com/office/drawing/2017/decorative" val="1"/>
+                <adec:decorative xmlns:adec="http://schemas.microsoft.com/office/drawing/2017/decorative" xmlns="" val="1"/>
               </a:ext>
             </a:extLst>
           </p:cNvPr>
@@ -13020,11 +13020,7 @@
             </a:pPr>
             <a:r>
               <a:rPr lang="ru-RU" sz="2800" dirty="0" smtClean="0"/>
-              <a:t>Описани</a:t>
-            </a:r>
-            <a:r>
-              <a:rPr lang="ru-RU" sz="2800" dirty="0" smtClean="0"/>
-              <a:t>е игры</a:t>
+              <a:t>Описание игры</a:t>
             </a:r>
           </a:p>
           <a:p>
@@ -13099,7 +13095,7 @@
                 <a16:creationId xmlns:a16="http://schemas.microsoft.com/office/drawing/2014/main" id="{764DA446-807B-4C83-BB5A-59E3FABC93F3}"/>
               </a:ext>
               <a:ext uri="{C183D7F6-B498-43B3-948B-1728B52AA6E4}">
-                <adec:decorative xmlns="" xmlns:adec="http://schemas.microsoft.com/office/drawing/2017/decorative" val="1"/>
+                <adec:decorative xmlns:adec="http://schemas.microsoft.com/office/drawing/2017/decorative" xmlns="" val="1"/>
               </a:ext>
             </a:extLst>
           </p:cNvPr>
@@ -13290,7 +13286,7 @@
                 <a16:creationId xmlns:a16="http://schemas.microsoft.com/office/drawing/2014/main" id="{F28CDBF8-0191-43F9-98FE-B98B08813979}"/>
               </a:ext>
               <a:ext uri="{C183D7F6-B498-43B3-948B-1728B52AA6E4}">
-                <adec:decorative xmlns="" xmlns:adec="http://schemas.microsoft.com/office/drawing/2017/decorative" val="1"/>
+                <adec:decorative xmlns:adec="http://schemas.microsoft.com/office/drawing/2017/decorative" xmlns="" val="1"/>
               </a:ext>
             </a:extLst>
           </p:cNvPr>
@@ -13556,9 +13552,10 @@
           <a:p>
             <a:pPr rtl="0"/>
             <a:r>
-              <a:rPr lang="ru-RU" dirty="0"/>
-              <a:t>Наши обязательства</a:t>
-            </a:r>
+              <a:rPr lang="ru-RU" smtClean="0"/>
+              <a:t>Сюжет</a:t>
+            </a:r>
+            <a:endParaRPr lang="ru-RU" dirty="0"/>
           </a:p>
         </p:txBody>
       </p:sp>
@@ -13627,7 +13624,7 @@
                 <a16:creationId xmlns:a16="http://schemas.microsoft.com/office/drawing/2014/main" id="{3EEE5409-3F6C-485D-B4C2-5247917F1018}"/>
               </a:ext>
               <a:ext uri="{C183D7F6-B498-43B3-948B-1728B52AA6E4}">
-                <adec:decorative xmlns="" xmlns:adec="http://schemas.microsoft.com/office/drawing/2017/decorative" val="1"/>
+                <adec:decorative xmlns:adec="http://schemas.microsoft.com/office/drawing/2017/decorative" xmlns="" val="1"/>
               </a:ext>
             </a:extLst>
           </p:cNvPr>
@@ -15395,15 +15392,6 @@
 </file>
 
 <file path=customXml/item1.xml><?xml version="1.0" encoding="utf-8"?>
-<p:properties xmlns:p="http://schemas.microsoft.com/office/2006/metadata/properties" xmlns:xsi="http://www.w3.org/2001/XMLSchema-instance" xmlns:pc="http://schemas.microsoft.com/office/infopath/2007/PartnerControls">
-  <documentManagement>
-    <_ip_UnifiedCompliancePolicyUIAction xmlns="http://schemas.microsoft.com/sharepoint/v3" xsi:nil="true"/>
-    <_ip_UnifiedCompliancePolicyProperties xmlns="http://schemas.microsoft.com/sharepoint/v3" xsi:nil="true"/>
-  </documentManagement>
-</p:properties>
-</file>
-
-<file path=customXml/item2.xml><?xml version="1.0" encoding="utf-8"?>
 <ct:contentTypeSchema xmlns:ct="http://schemas.microsoft.com/office/2006/metadata/contentType" xmlns:ma="http://schemas.microsoft.com/office/2006/metadata/properties/metaAttributes" ct:_="" ma:_="" ma:contentTypeName="Document" ma:contentTypeID="0x010100DEEA25CC0A0AC24199CDC46C25B8B0BC" ma:contentTypeVersion="9" ma:contentTypeDescription="Create a new document." ma:contentTypeScope="" ma:versionID="76e25e1730b4532ab1d5e5b131a96a5a">
   <xsd:schema xmlns:xsd="http://www.w3.org/2001/XMLSchema" xmlns:xs="http://www.w3.org/2001/XMLSchema" xmlns:p="http://schemas.microsoft.com/office/2006/metadata/properties" xmlns:ns1="http://schemas.microsoft.com/sharepoint/v3" xmlns:ns2="6dc4bcd6-49db-4c07-9060-8acfc67cef9f" xmlns:ns3="fb0879af-3eba-417a-a55a-ffe6dcd6ca77" targetNamespace="http://schemas.microsoft.com/office/2006/metadata/properties" ma:root="true" ma:fieldsID="ad1e9281a84c4949647088091c718de3" ns1:_="" ns2:_="" ns3:_="">
     <xsd:import namespace="http://schemas.microsoft.com/sharepoint/v3"/>
@@ -15605,25 +15593,16 @@
 </ct:contentTypeSchema>
 </file>
 
-<file path=customXml/itemProps1.xml><?xml version="1.0" encoding="utf-8"?>
-<ds:datastoreItem xmlns:ds="http://schemas.openxmlformats.org/officeDocument/2006/customXml" ds:itemID="{9D8A50AA-654B-45CA-B6AD-FDA9E9535EF9}">
-  <ds:schemaRefs>
-    <ds:schemaRef ds:uri="http://purl.org/dc/terms/"/>
-    <ds:schemaRef ds:uri="http://schemas.microsoft.com/sharepoint/v3"/>
-    <ds:schemaRef ds:uri="fb0879af-3eba-417a-a55a-ffe6dcd6ca77"/>
-    <ds:schemaRef ds:uri="http://schemas.microsoft.com/office/infopath/2007/PartnerControls"/>
-    <ds:schemaRef ds:uri="http://purl.org/dc/dcmitype/"/>
-    <ds:schemaRef ds:uri="http://schemas.microsoft.com/office/2006/documentManagement/types"/>
-    <ds:schemaRef ds:uri="http://purl.org/dc/elements/1.1/"/>
-    <ds:schemaRef ds:uri="http://schemas.openxmlformats.org/package/2006/metadata/core-properties"/>
-    <ds:schemaRef ds:uri="6dc4bcd6-49db-4c07-9060-8acfc67cef9f"/>
-    <ds:schemaRef ds:uri="http://schemas.microsoft.com/office/2006/metadata/properties"/>
-    <ds:schemaRef ds:uri="http://www.w3.org/XML/1998/namespace"/>
-  </ds:schemaRefs>
-</ds:datastoreItem>
+<file path=customXml/item2.xml><?xml version="1.0" encoding="utf-8"?>
+<p:properties xmlns:p="http://schemas.microsoft.com/office/2006/metadata/properties" xmlns:xsi="http://www.w3.org/2001/XMLSchema-instance" xmlns:pc="http://schemas.microsoft.com/office/infopath/2007/PartnerControls">
+  <documentManagement>
+    <_ip_UnifiedCompliancePolicyUIAction xmlns="http://schemas.microsoft.com/sharepoint/v3" xsi:nil="true"/>
+    <_ip_UnifiedCompliancePolicyProperties xmlns="http://schemas.microsoft.com/sharepoint/v3" xsi:nil="true"/>
+  </documentManagement>
+</p:properties>
 </file>
 
-<file path=customXml/itemProps2.xml><?xml version="1.0" encoding="utf-8"?>
+<file path=customXml/itemProps1.xml><?xml version="1.0" encoding="utf-8"?>
 <ds:datastoreItem xmlns:ds="http://schemas.openxmlformats.org/officeDocument/2006/customXml" ds:itemID="{D4F06F66-218D-4D1C-873A-158A1848B8D9}">
   <ds:schemaRefs>
     <ds:schemaRef ds:uri="http://schemas.microsoft.com/office/2006/metadata/contentType"/>
@@ -15641,4 +15620,22 @@
     <ds:schemaRef ds:uri="http://schemas.microsoft.com/internal/obd"/>
   </ds:schemaRefs>
 </ds:datastoreItem>
+</file>
+
+<file path=customXml/itemProps2.xml><?xml version="1.0" encoding="utf-8"?>
+<ds:datastoreItem xmlns:ds="http://schemas.openxmlformats.org/officeDocument/2006/customXml" ds:itemID="{9D8A50AA-654B-45CA-B6AD-FDA9E9535EF9}">
+  <ds:schemaRefs>
+    <ds:schemaRef ds:uri="http://purl.org/dc/terms/"/>
+    <ds:schemaRef ds:uri="http://schemas.microsoft.com/sharepoint/v3"/>
+    <ds:schemaRef ds:uri="fb0879af-3eba-417a-a55a-ffe6dcd6ca77"/>
+    <ds:schemaRef ds:uri="http://schemas.microsoft.com/office/infopath/2007/PartnerControls"/>
+    <ds:schemaRef ds:uri="http://purl.org/dc/dcmitype/"/>
+    <ds:schemaRef ds:uri="http://schemas.microsoft.com/office/2006/documentManagement/types"/>
+    <ds:schemaRef ds:uri="http://purl.org/dc/elements/1.1/"/>
+    <ds:schemaRef ds:uri="http://schemas.openxmlformats.org/package/2006/metadata/core-properties"/>
+    <ds:schemaRef ds:uri="6dc4bcd6-49db-4c07-9060-8acfc67cef9f"/>
+    <ds:schemaRef ds:uri="http://schemas.microsoft.com/office/2006/metadata/properties"/>
+    <ds:schemaRef ds:uri="http://www.w3.org/XML/1998/namespace"/>
+  </ds:schemaRefs>
+</ds:datastoreItem>
 </file>